--- a/Selenium Interview Questions.pptx
+++ b/Selenium Interview Questions.pptx
@@ -5,7 +5,7 @@
     <p:sldMasterId id="2147483804" r:id="rId1"/>
   </p:sldMasterIdLst>
   <p:notesMasterIdLst>
-    <p:notesMasterId r:id="rId65"/>
+    <p:notesMasterId r:id="rId68"/>
   </p:notesMasterIdLst>
   <p:sldIdLst>
     <p:sldId id="256" r:id="rId2"/>
@@ -71,6 +71,9 @@
     <p:sldId id="317" r:id="rId62"/>
     <p:sldId id="318" r:id="rId63"/>
     <p:sldId id="319" r:id="rId64"/>
+    <p:sldId id="320" r:id="rId65"/>
+    <p:sldId id="321" r:id="rId66"/>
+    <p:sldId id="322" r:id="rId67"/>
   </p:sldIdLst>
   <p:sldSz cx="9144000" cy="6858000" type="screen4x3"/>
   <p:notesSz cx="6858000" cy="9144000"/>
@@ -255,7 +258,7 @@
             <a:fld id="{CAEC97B4-6C17-428C-BB64-ECD53CA580AE}" type="datetimeFigureOut">
               <a:rPr lang="en-GB" smtClean="0"/>
               <a:pPr/>
-              <a:t>25/02/2017</a:t>
+              <a:t>08/03/2017</a:t>
             </a:fld>
             <a:endParaRPr lang="en-GB"/>
           </a:p>
@@ -1147,7 +1150,7 @@
             <a:fld id="{AFC2C7BC-A59E-45EF-A764-5D6B4EE29CAA}" type="datetime1">
               <a:rPr lang="en-GB" smtClean="0"/>
               <a:pPr/>
-              <a:t>25/02/2017</a:t>
+              <a:t>08/03/2017</a:t>
             </a:fld>
             <a:endParaRPr lang="en-GB"/>
           </a:p>
@@ -1349,7 +1352,7 @@
             <a:fld id="{D8E76916-2B1B-473B-8169-EE6E7580B35F}" type="datetime1">
               <a:rPr lang="en-GB" smtClean="0"/>
               <a:pPr/>
-              <a:t>25/02/2017</a:t>
+              <a:t>08/03/2017</a:t>
             </a:fld>
             <a:endParaRPr lang="en-GB"/>
           </a:p>
@@ -1540,7 +1543,7 @@
             <a:fld id="{D092C125-7D2C-4AA8-A540-42450A9DBDAB}" type="datetime1">
               <a:rPr lang="en-GB" smtClean="0"/>
               <a:pPr/>
-              <a:t>25/02/2017</a:t>
+              <a:t>08/03/2017</a:t>
             </a:fld>
             <a:endParaRPr lang="en-GB"/>
           </a:p>
@@ -1696,7 +1699,7 @@
             <a:fld id="{9A24EB64-C11E-4260-9770-1E750A993D52}" type="datetime1">
               <a:rPr lang="en-GB" smtClean="0"/>
               <a:pPr/>
-              <a:t>25/02/2017</a:t>
+              <a:t>08/03/2017</a:t>
             </a:fld>
             <a:endParaRPr lang="en-GB"/>
           </a:p>
@@ -1957,7 +1960,7 @@
             <a:fld id="{DC3597B4-0D26-4991-8BE6-2B4D193ACA60}" type="datetime1">
               <a:rPr lang="en-GB" smtClean="0"/>
               <a:pPr/>
-              <a:t>25/02/2017</a:t>
+              <a:t>08/03/2017</a:t>
             </a:fld>
             <a:endParaRPr lang="en-GB"/>
           </a:p>
@@ -2372,7 +2375,7 @@
             <a:fld id="{7AAC95BD-DD79-4944-BADF-99420DEB909D}" type="datetime1">
               <a:rPr lang="en-GB" smtClean="0"/>
               <a:pPr/>
-              <a:t>25/02/2017</a:t>
+              <a:t>08/03/2017</a:t>
             </a:fld>
             <a:endParaRPr lang="en-GB"/>
           </a:p>
@@ -2824,7 +2827,7 @@
             <a:fld id="{A5BE821E-7DC4-4CB9-891B-84DB8C3871F5}" type="datetime1">
               <a:rPr lang="en-GB" smtClean="0"/>
               <a:pPr/>
-              <a:t>25/02/2017</a:t>
+              <a:t>08/03/2017</a:t>
             </a:fld>
             <a:endParaRPr lang="en-GB"/>
           </a:p>
@@ -2931,7 +2934,7 @@
             <a:fld id="{9330F10C-AAE8-41D3-AF97-DF9E1DC8EB62}" type="datetime1">
               <a:rPr lang="en-GB" smtClean="0"/>
               <a:pPr/>
-              <a:t>25/02/2017</a:t>
+              <a:t>08/03/2017</a:t>
             </a:fld>
             <a:endParaRPr lang="en-GB"/>
           </a:p>
@@ -3058,7 +3061,7 @@
             <a:fld id="{0645A15E-D5B2-4483-AEC8-AB70630272C6}" type="datetime1">
               <a:rPr lang="en-GB" smtClean="0"/>
               <a:pPr/>
-              <a:t>25/02/2017</a:t>
+              <a:t>08/03/2017</a:t>
             </a:fld>
             <a:endParaRPr lang="en-GB"/>
           </a:p>
@@ -3338,7 +3341,7 @@
             <a:fld id="{BF35357A-02A1-4E3C-8613-E85DFA45FB9C}" type="datetime1">
               <a:rPr lang="en-GB" smtClean="0"/>
               <a:pPr/>
-              <a:t>25/02/2017</a:t>
+              <a:t>08/03/2017</a:t>
             </a:fld>
             <a:endParaRPr lang="en-GB"/>
           </a:p>
@@ -3549,7 +3552,7 @@
             <a:fld id="{D6EC8675-79F5-424A-8D1A-BA0F44BE812D}" type="datetime1">
               <a:rPr lang="en-GB" smtClean="0"/>
               <a:pPr/>
-              <a:t>25/02/2017</a:t>
+              <a:t>08/03/2017</a:t>
             </a:fld>
             <a:endParaRPr lang="en-GB"/>
           </a:p>
@@ -4664,7 +4667,7 @@
             <a:fld id="{187FDF61-C3D3-412F-A289-50AB08096C6A}" type="datetime1">
               <a:rPr lang="en-GB" smtClean="0"/>
               <a:pPr/>
-              <a:t>25/02/2017</a:t>
+              <a:t>08/03/2017</a:t>
             </a:fld>
             <a:endParaRPr lang="en-GB"/>
           </a:p>
@@ -12881,6 +12884,404 @@
               <a:rPr lang="en-GB" smtClean="0"/>
               <a:pPr/>
               <a:t>63</a:t>
+            </a:fld>
+            <a:endParaRPr lang="en-GB"/>
+          </a:p>
+        </p:txBody>
+      </p:sp>
+    </p:spTree>
+  </p:cSld>
+  <p:clrMapOvr>
+    <a:masterClrMapping/>
+  </p:clrMapOvr>
+</p:sld>
+</file>
+
+<file path=ppt/slides/slide64.xml><?xml version="1.0" encoding="utf-8"?>
+<p:sld xmlns:a="http://schemas.openxmlformats.org/drawingml/2006/main" xmlns:r="http://schemas.openxmlformats.org/officeDocument/2006/relationships" xmlns:p="http://schemas.openxmlformats.org/presentationml/2006/main">
+  <p:cSld>
+    <p:spTree>
+      <p:nvGrpSpPr>
+        <p:cNvPr id="1" name=""/>
+        <p:cNvGrpSpPr/>
+        <p:nvPr/>
+      </p:nvGrpSpPr>
+      <p:grpSpPr>
+        <a:xfrm>
+          <a:off x="0" y="0"/>
+          <a:ext cx="0" cy="0"/>
+          <a:chOff x="0" y="0"/>
+          <a:chExt cx="0" cy="0"/>
+        </a:xfrm>
+      </p:grpSpPr>
+      <p:sp>
+        <p:nvSpPr>
+          <p:cNvPr id="2" name="Title 1"/>
+          <p:cNvSpPr>
+            <a:spLocks noGrp="1"/>
+          </p:cNvSpPr>
+          <p:nvPr>
+            <p:ph type="ctrTitle"/>
+          </p:nvPr>
+        </p:nvSpPr>
+        <p:spPr/>
+        <p:txBody>
+          <a:bodyPr/>
+          <a:lstStyle/>
+          <a:p>
+            <a:r>
+              <a:rPr lang="en-US" dirty="0" smtClean="0"/>
+              <a:t>To know more about selenium IDE docs</a:t>
+            </a:r>
+            <a:endParaRPr lang="en-GB" dirty="0"/>
+          </a:p>
+        </p:txBody>
+      </p:sp>
+      <p:sp>
+        <p:nvSpPr>
+          <p:cNvPr id="3" name="Subtitle 2"/>
+          <p:cNvSpPr>
+            <a:spLocks noGrp="1"/>
+          </p:cNvSpPr>
+          <p:nvPr>
+            <p:ph type="subTitle" idx="1"/>
+          </p:nvPr>
+        </p:nvSpPr>
+        <p:spPr/>
+        <p:txBody>
+          <a:bodyPr>
+            <a:normAutofit/>
+          </a:bodyPr>
+          <a:lstStyle/>
+          <a:p>
+            <a:pPr algn="l"/>
+            <a:r>
+              <a:rPr lang="en-GB" sz="2000" dirty="0" smtClean="0">
+                <a:hlinkClick r:id="rId2"/>
+              </a:rPr>
+              <a:t>http://www.seleniumhq.org/docs/02_selenium_ide.jsp</a:t>
+            </a:r>
+            <a:endParaRPr lang="en-GB" sz="2000" dirty="0" smtClean="0"/>
+          </a:p>
+          <a:p>
+            <a:pPr algn="l"/>
+            <a:r>
+              <a:rPr lang="en-GB" sz="2000" dirty="0" smtClean="0"/>
+              <a:t>docs.seleniumhq.org/projects/</a:t>
+            </a:r>
+            <a:r>
+              <a:rPr lang="en-GB" sz="2000" dirty="0" err="1" smtClean="0"/>
+              <a:t>ide</a:t>
+            </a:r>
+            <a:r>
+              <a:rPr lang="en-GB" sz="2000" dirty="0" smtClean="0"/>
+              <a:t>/</a:t>
+            </a:r>
+            <a:endParaRPr lang="en-GB" sz="2000" dirty="0"/>
+          </a:p>
+        </p:txBody>
+      </p:sp>
+      <p:sp>
+        <p:nvSpPr>
+          <p:cNvPr id="4" name="Footer Placeholder 3"/>
+          <p:cNvSpPr>
+            <a:spLocks noGrp="1"/>
+          </p:cNvSpPr>
+          <p:nvPr>
+            <p:ph type="ftr" sz="quarter" idx="11"/>
+          </p:nvPr>
+        </p:nvSpPr>
+        <p:spPr/>
+        <p:txBody>
+          <a:bodyPr/>
+          <a:lstStyle/>
+          <a:p>
+            <a:r>
+              <a:rPr lang="en-GB" smtClean="0"/>
+              <a:t>Interview Questions on Selenium Compiled by sebastiankunjappan@gmail.com</a:t>
+            </a:r>
+            <a:endParaRPr lang="en-GB"/>
+          </a:p>
+        </p:txBody>
+      </p:sp>
+      <p:sp>
+        <p:nvSpPr>
+          <p:cNvPr id="5" name="Slide Number Placeholder 4"/>
+          <p:cNvSpPr>
+            <a:spLocks noGrp="1"/>
+          </p:cNvSpPr>
+          <p:nvPr>
+            <p:ph type="sldNum" sz="quarter" idx="12"/>
+          </p:nvPr>
+        </p:nvSpPr>
+        <p:spPr/>
+        <p:txBody>
+          <a:bodyPr/>
+          <a:lstStyle/>
+          <a:p>
+            <a:fld id="{7C89305F-533D-422A-8436-BF98C191EAAB}" type="slidenum">
+              <a:rPr lang="en-GB" smtClean="0"/>
+              <a:pPr/>
+              <a:t>64</a:t>
+            </a:fld>
+            <a:endParaRPr lang="en-GB"/>
+          </a:p>
+        </p:txBody>
+      </p:sp>
+    </p:spTree>
+  </p:cSld>
+  <p:clrMapOvr>
+    <a:masterClrMapping/>
+  </p:clrMapOvr>
+</p:sld>
+</file>
+
+<file path=ppt/slides/slide65.xml><?xml version="1.0" encoding="utf-8"?>
+<p:sld xmlns:a="http://schemas.openxmlformats.org/drawingml/2006/main" xmlns:r="http://schemas.openxmlformats.org/officeDocument/2006/relationships" xmlns:p="http://schemas.openxmlformats.org/presentationml/2006/main">
+  <p:cSld>
+    <p:spTree>
+      <p:nvGrpSpPr>
+        <p:cNvPr id="1" name=""/>
+        <p:cNvGrpSpPr/>
+        <p:nvPr/>
+      </p:nvGrpSpPr>
+      <p:grpSpPr>
+        <a:xfrm>
+          <a:off x="0" y="0"/>
+          <a:ext cx="0" cy="0"/>
+          <a:chOff x="0" y="0"/>
+          <a:chExt cx="0" cy="0"/>
+        </a:xfrm>
+      </p:grpSpPr>
+      <p:sp>
+        <p:nvSpPr>
+          <p:cNvPr id="2" name="Title 1"/>
+          <p:cNvSpPr>
+            <a:spLocks noGrp="1"/>
+          </p:cNvSpPr>
+          <p:nvPr>
+            <p:ph type="ctrTitle"/>
+          </p:nvPr>
+        </p:nvSpPr>
+        <p:spPr/>
+        <p:txBody>
+          <a:bodyPr/>
+          <a:lstStyle/>
+          <a:p>
+            <a:r>
+              <a:rPr lang="en-US" dirty="0" smtClean="0"/>
+              <a:t>Why selenium IDE is not good enough?</a:t>
+            </a:r>
+            <a:endParaRPr lang="en-GB" dirty="0"/>
+          </a:p>
+        </p:txBody>
+      </p:sp>
+      <p:sp>
+        <p:nvSpPr>
+          <p:cNvPr id="3" name="Subtitle 2"/>
+          <p:cNvSpPr>
+            <a:spLocks noGrp="1"/>
+          </p:cNvSpPr>
+          <p:nvPr>
+            <p:ph type="subTitle" idx="1"/>
+          </p:nvPr>
+        </p:nvSpPr>
+        <p:spPr/>
+        <p:txBody>
+          <a:bodyPr>
+            <a:normAutofit fontScale="62500" lnSpcReduction="20000"/>
+          </a:bodyPr>
+          <a:lstStyle/>
+          <a:p>
+            <a:pPr algn="l"/>
+            <a:r>
+              <a:rPr lang="en-GB" dirty="0" smtClean="0"/>
+              <a:t>Selenium IDE is good enough for simple static pages. However, responsive applications are not something Selenium IDE is very good at verifying. Selenium IDE is a good place to start, but it's not a place to stop. </a:t>
+            </a:r>
+            <a:r>
+              <a:rPr lang="en-GB" smtClean="0"/>
+              <a:t>This is not the tool to automate testing of complicated websites, or do complicated testing that requires logic in the test cases.</a:t>
+            </a:r>
+            <a:endParaRPr lang="en-GB"/>
+          </a:p>
+        </p:txBody>
+      </p:sp>
+      <p:sp>
+        <p:nvSpPr>
+          <p:cNvPr id="4" name="Footer Placeholder 3"/>
+          <p:cNvSpPr>
+            <a:spLocks noGrp="1"/>
+          </p:cNvSpPr>
+          <p:nvPr>
+            <p:ph type="ftr" sz="quarter" idx="11"/>
+          </p:nvPr>
+        </p:nvSpPr>
+        <p:spPr/>
+        <p:txBody>
+          <a:bodyPr/>
+          <a:lstStyle/>
+          <a:p>
+            <a:r>
+              <a:rPr lang="en-GB" smtClean="0"/>
+              <a:t>Interview Questions on Selenium Compiled by sebastiankunjappan@gmail.com</a:t>
+            </a:r>
+            <a:endParaRPr lang="en-GB"/>
+          </a:p>
+        </p:txBody>
+      </p:sp>
+      <p:sp>
+        <p:nvSpPr>
+          <p:cNvPr id="5" name="Slide Number Placeholder 4"/>
+          <p:cNvSpPr>
+            <a:spLocks noGrp="1"/>
+          </p:cNvSpPr>
+          <p:nvPr>
+            <p:ph type="sldNum" sz="quarter" idx="12"/>
+          </p:nvPr>
+        </p:nvSpPr>
+        <p:spPr/>
+        <p:txBody>
+          <a:bodyPr/>
+          <a:lstStyle/>
+          <a:p>
+            <a:fld id="{7C89305F-533D-422A-8436-BF98C191EAAB}" type="slidenum">
+              <a:rPr lang="en-GB" smtClean="0"/>
+              <a:pPr/>
+              <a:t>65</a:t>
+            </a:fld>
+            <a:endParaRPr lang="en-GB"/>
+          </a:p>
+        </p:txBody>
+      </p:sp>
+    </p:spTree>
+  </p:cSld>
+  <p:clrMapOvr>
+    <a:masterClrMapping/>
+  </p:clrMapOvr>
+</p:sld>
+</file>
+
+<file path=ppt/slides/slide66.xml><?xml version="1.0" encoding="utf-8"?>
+<p:sld xmlns:a="http://schemas.openxmlformats.org/drawingml/2006/main" xmlns:r="http://schemas.openxmlformats.org/officeDocument/2006/relationships" xmlns:p="http://schemas.openxmlformats.org/presentationml/2006/main">
+  <p:cSld>
+    <p:spTree>
+      <p:nvGrpSpPr>
+        <p:cNvPr id="1" name=""/>
+        <p:cNvGrpSpPr/>
+        <p:nvPr/>
+      </p:nvGrpSpPr>
+      <p:grpSpPr>
+        <a:xfrm>
+          <a:off x="0" y="0"/>
+          <a:ext cx="0" cy="0"/>
+          <a:chOff x="0" y="0"/>
+          <a:chExt cx="0" cy="0"/>
+        </a:xfrm>
+      </p:grpSpPr>
+      <p:sp>
+        <p:nvSpPr>
+          <p:cNvPr id="2" name="Title 1"/>
+          <p:cNvSpPr>
+            <a:spLocks noGrp="1"/>
+          </p:cNvSpPr>
+          <p:nvPr>
+            <p:ph type="ctrTitle"/>
+          </p:nvPr>
+        </p:nvSpPr>
+        <p:spPr/>
+        <p:txBody>
+          <a:bodyPr/>
+          <a:lstStyle/>
+          <a:p>
+            <a:r>
+              <a:rPr lang="en-GB" dirty="0" smtClean="0"/>
+              <a:t>Where is </a:t>
+            </a:r>
+            <a:r>
+              <a:rPr lang="en-GB" dirty="0" err="1" smtClean="0"/>
+              <a:t>Webdriver</a:t>
+            </a:r>
+            <a:r>
+              <a:rPr lang="en-GB" dirty="0" smtClean="0"/>
+              <a:t> </a:t>
+            </a:r>
+            <a:r>
+              <a:rPr lang="en-GB" dirty="0" err="1" smtClean="0"/>
+              <a:t>Javadoc</a:t>
+            </a:r>
+            <a:r>
+              <a:rPr lang="en-GB" dirty="0" smtClean="0"/>
+              <a:t> available?</a:t>
+            </a:r>
+            <a:endParaRPr lang="en-GB" dirty="0"/>
+          </a:p>
+        </p:txBody>
+      </p:sp>
+      <p:sp>
+        <p:nvSpPr>
+          <p:cNvPr id="3" name="Subtitle 2"/>
+          <p:cNvSpPr>
+            <a:spLocks noGrp="1"/>
+          </p:cNvSpPr>
+          <p:nvPr>
+            <p:ph type="subTitle" idx="1"/>
+          </p:nvPr>
+        </p:nvSpPr>
+        <p:spPr/>
+        <p:txBody>
+          <a:bodyPr/>
+          <a:lstStyle/>
+          <a:p>
+            <a:r>
+              <a:rPr lang="en-GB" dirty="0" smtClean="0"/>
+              <a:t>https://goo.gl/wyv6qx</a:t>
+            </a:r>
+            <a:endParaRPr lang="en-GB" dirty="0"/>
+          </a:p>
+        </p:txBody>
+      </p:sp>
+      <p:sp>
+        <p:nvSpPr>
+          <p:cNvPr id="4" name="Footer Placeholder 3"/>
+          <p:cNvSpPr>
+            <a:spLocks noGrp="1"/>
+          </p:cNvSpPr>
+          <p:nvPr>
+            <p:ph type="ftr" sz="quarter" idx="11"/>
+          </p:nvPr>
+        </p:nvSpPr>
+        <p:spPr/>
+        <p:txBody>
+          <a:bodyPr/>
+          <a:lstStyle/>
+          <a:p>
+            <a:r>
+              <a:rPr lang="en-GB" smtClean="0"/>
+              <a:t>Interview Questions on Selenium Compiled by sebastiankunjappan@gmail.com</a:t>
+            </a:r>
+            <a:endParaRPr lang="en-GB"/>
+          </a:p>
+        </p:txBody>
+      </p:sp>
+      <p:sp>
+        <p:nvSpPr>
+          <p:cNvPr id="5" name="Slide Number Placeholder 4"/>
+          <p:cNvSpPr>
+            <a:spLocks noGrp="1"/>
+          </p:cNvSpPr>
+          <p:nvPr>
+            <p:ph type="sldNum" sz="quarter" idx="12"/>
+          </p:nvPr>
+        </p:nvSpPr>
+        <p:spPr/>
+        <p:txBody>
+          <a:bodyPr/>
+          <a:lstStyle/>
+          <a:p>
+            <a:fld id="{7C89305F-533D-422A-8436-BF98C191EAAB}" type="slidenum">
+              <a:rPr lang="en-GB" smtClean="0"/>
+              <a:pPr/>
+              <a:t>66</a:t>
             </a:fld>
             <a:endParaRPr lang="en-GB"/>
           </a:p>
